--- a/PY_CLASS/python_class.pptx
+++ b/PY_CLASS/python_class.pptx
@@ -15,10 +15,8 @@
     <p:sldId id="278" r:id="rId10"/>
     <p:sldId id="279" r:id="rId11"/>
     <p:sldId id="280" r:id="rId12"/>
-    <p:sldId id="276" r:id="rId13"/>
-    <p:sldId id="275" r:id="rId14"/>
-    <p:sldId id="261" r:id="rId15"/>
-    <p:sldId id="257" r:id="rId16"/>
+    <p:sldId id="261" r:id="rId13"/>
+    <p:sldId id="257" r:id="rId14"/>
   </p:sldIdLst>
   <p:sldSz cx="12192000" cy="6858000"/>
   <p:notesSz cx="6858000" cy="9144000"/>
@@ -16798,7 +16796,7 @@
           <a:p>
             <a:r>
               <a:rPr lang="pl-PL" altLang="en-US"/>
-              <a:t>T - t</a:t>
+              <a:t>PySide 6</a:t>
             </a:r>
             <a:endParaRPr lang="pl-PL" altLang="en-US"/>
           </a:p>
@@ -16829,140 +16827,6 @@
 </file>
 
 <file path=ppt/slides/slide11.xml><?xml version="1.0" encoding="utf-8"?>
-<p:sld xmlns:a="http://schemas.openxmlformats.org/drawingml/2006/main" xmlns:r="http://schemas.openxmlformats.org/officeDocument/2006/relationships" xmlns:p="http://schemas.openxmlformats.org/presentationml/2006/main" showMasterSp="0">
-  <p:cSld>
-    <p:bg>
-      <p:bgPr>
-        <a:blipFill rotWithShape="1">
-          <a:blip r:embed="rId1"/>
-          <a:stretch>
-            <a:fillRect/>
-          </a:stretch>
-        </a:blipFill>
-        <a:effectLst/>
-      </p:bgPr>
-    </p:bg>
-    <p:spTree>
-      <p:nvGrpSpPr>
-        <p:cNvPr id="1" name=""/>
-        <p:cNvGrpSpPr/>
-        <p:nvPr/>
-      </p:nvGrpSpPr>
-      <p:grpSpPr/>
-      <p:sp>
-        <p:nvSpPr>
-          <p:cNvPr id="2" name="Tytuł 1"/>
-          <p:cNvSpPr>
-            <a:spLocks noGrp="1"/>
-          </p:cNvSpPr>
-          <p:nvPr>
-            <p:ph type="title"/>
-          </p:nvPr>
-        </p:nvSpPr>
-        <p:spPr/>
-        <p:txBody>
-          <a:bodyPr/>
-          <a:p>
-            <a:r>
-              <a:rPr lang="pl-PL" altLang="en-US"/>
-              <a:t>T - t</a:t>
-            </a:r>
-            <a:endParaRPr lang="pl-PL" altLang="en-US"/>
-          </a:p>
-        </p:txBody>
-      </p:sp>
-      <p:sp>
-        <p:nvSpPr>
-          <p:cNvPr id="3" name="Symbol zastępczy zawartości 2"/>
-          <p:cNvSpPr/>
-          <p:nvPr>
-            <p:ph idx="1"/>
-          </p:nvPr>
-        </p:nvSpPr>
-        <p:spPr/>
-        <p:txBody>
-          <a:bodyPr/>
-          <a:p>
-            <a:endParaRPr lang="pl-PL" altLang="en-US"/>
-          </a:p>
-        </p:txBody>
-      </p:sp>
-    </p:spTree>
-  </p:cSld>
-  <p:clrMapOvr>
-    <a:masterClrMapping/>
-  </p:clrMapOvr>
-</p:sld>
-</file>
-
-<file path=ppt/slides/slide12.xml><?xml version="1.0" encoding="utf-8"?>
-<p:sld xmlns:a="http://schemas.openxmlformats.org/drawingml/2006/main" xmlns:r="http://schemas.openxmlformats.org/officeDocument/2006/relationships" xmlns:p="http://schemas.openxmlformats.org/presentationml/2006/main" showMasterSp="0">
-  <p:cSld>
-    <p:bg>
-      <p:bgPr>
-        <a:blipFill rotWithShape="1">
-          <a:blip r:embed="rId1"/>
-          <a:stretch>
-            <a:fillRect/>
-          </a:stretch>
-        </a:blipFill>
-        <a:effectLst/>
-      </p:bgPr>
-    </p:bg>
-    <p:spTree>
-      <p:nvGrpSpPr>
-        <p:cNvPr id="1" name=""/>
-        <p:cNvGrpSpPr/>
-        <p:nvPr/>
-      </p:nvGrpSpPr>
-      <p:grpSpPr/>
-      <p:sp>
-        <p:nvSpPr>
-          <p:cNvPr id="2" name="Tytuł 1"/>
-          <p:cNvSpPr>
-            <a:spLocks noGrp="1"/>
-          </p:cNvSpPr>
-          <p:nvPr>
-            <p:ph type="title"/>
-          </p:nvPr>
-        </p:nvSpPr>
-        <p:spPr/>
-        <p:txBody>
-          <a:bodyPr/>
-          <a:p>
-            <a:r>
-              <a:rPr lang="pl-PL" altLang="en-US"/>
-              <a:t>T - t</a:t>
-            </a:r>
-            <a:endParaRPr lang="pl-PL" altLang="en-US"/>
-          </a:p>
-        </p:txBody>
-      </p:sp>
-      <p:sp>
-        <p:nvSpPr>
-          <p:cNvPr id="3" name="Symbol zastępczy zawartości 2"/>
-          <p:cNvSpPr/>
-          <p:nvPr>
-            <p:ph idx="1"/>
-          </p:nvPr>
-        </p:nvSpPr>
-        <p:spPr/>
-        <p:txBody>
-          <a:bodyPr/>
-          <a:p>
-            <a:endParaRPr lang="pl-PL" altLang="en-US"/>
-          </a:p>
-        </p:txBody>
-      </p:sp>
-    </p:spTree>
-  </p:cSld>
-  <p:clrMapOvr>
-    <a:masterClrMapping/>
-  </p:clrMapOvr>
-</p:sld>
-</file>
-
-<file path=ppt/slides/slide13.xml><?xml version="1.0" encoding="utf-8"?>
 <p:sld xmlns:a="http://schemas.openxmlformats.org/drawingml/2006/main" xmlns:r="http://schemas.openxmlformats.org/officeDocument/2006/relationships" xmlns:p="http://schemas.openxmlformats.org/presentationml/2006/main" showMasterSp="0">
   <p:cSld>
     <p:bg>
@@ -17054,7 +16918,7 @@
 </p:sld>
 </file>
 
-<file path=ppt/slides/slide14.xml><?xml version="1.0" encoding="utf-8"?>
+<file path=ppt/slides/slide12.xml><?xml version="1.0" encoding="utf-8"?>
 <p:sld xmlns:a="http://schemas.openxmlformats.org/drawingml/2006/main" xmlns:r="http://schemas.openxmlformats.org/officeDocument/2006/relationships" xmlns:p="http://schemas.openxmlformats.org/presentationml/2006/main">
   <p:cSld>
     <p:spTree>
@@ -17522,28 +17386,38 @@
           <a:p>
             <a:r>
               <a:rPr lang="pl-PL" altLang="en-US"/>
-              <a:t>T - t</a:t>
+              <a:t>del</a:t>
             </a:r>
             <a:endParaRPr lang="pl-PL" altLang="en-US"/>
           </a:p>
         </p:txBody>
       </p:sp>
-      <p:sp>
-        <p:nvSpPr>
-          <p:cNvPr id="3" name="Symbol zastępczy zawartości 2"/>
-          <p:cNvSpPr/>
+      <p:pic>
+        <p:nvPicPr>
+          <p:cNvPr id="4" name="Symbol zastępczy zawartości 3"/>
+          <p:cNvPicPr>
+            <a:picLocks noChangeAspect="1"/>
+          </p:cNvPicPr>
           <p:nvPr>
             <p:ph idx="1"/>
           </p:nvPr>
-        </p:nvSpPr>
-        <p:spPr/>
-        <p:txBody>
-          <a:bodyPr/>
-          <a:p>
-            <a:endParaRPr lang="pl-PL" altLang="en-US"/>
-          </a:p>
-        </p:txBody>
-      </p:sp>
+        </p:nvPicPr>
+        <p:blipFill>
+          <a:blip r:embed="rId2"/>
+          <a:stretch>
+            <a:fillRect/>
+          </a:stretch>
+        </p:blipFill>
+        <p:spPr>
+          <a:xfrm>
+            <a:off x="2517775" y="721995"/>
+            <a:ext cx="8032750" cy="5541010"/>
+          </a:xfrm>
+          <a:prstGeom prst="rect">
+            <a:avLst/>
+          </a:prstGeom>
+        </p:spPr>
+      </p:pic>
     </p:spTree>
   </p:cSld>
   <p:clrMapOvr>
@@ -17589,28 +17463,132 @@
           <a:p>
             <a:r>
               <a:rPr lang="pl-PL" altLang="en-US"/>
-              <a:t>T - t</a:t>
+              <a:t>Dziedziczenie</a:t>
             </a:r>
             <a:endParaRPr lang="pl-PL" altLang="en-US"/>
           </a:p>
         </p:txBody>
       </p:sp>
-      <p:sp>
-        <p:nvSpPr>
-          <p:cNvPr id="3" name="Symbol zastępczy zawartości 2"/>
-          <p:cNvSpPr/>
-          <p:nvPr>
-            <p:ph idx="1"/>
-          </p:nvPr>
-        </p:nvSpPr>
-        <p:spPr/>
-        <p:txBody>
-          <a:bodyPr/>
-          <a:p>
-            <a:endParaRPr lang="pl-PL" altLang="en-US"/>
-          </a:p>
-        </p:txBody>
-      </p:sp>
+      <p:pic>
+        <p:nvPicPr>
+          <p:cNvPr id="5" name="Obraz 4"/>
+          <p:cNvPicPr>
+            <a:picLocks noChangeAspect="1"/>
+          </p:cNvPicPr>
+          <p:nvPr/>
+        </p:nvPicPr>
+        <p:blipFill>
+          <a:blip r:embed="rId2"/>
+          <a:stretch>
+            <a:fillRect/>
+          </a:stretch>
+        </p:blipFill>
+        <p:spPr>
+          <a:xfrm>
+            <a:off x="609600" y="1417955"/>
+            <a:ext cx="4867275" cy="2743200"/>
+          </a:xfrm>
+          <a:prstGeom prst="rect">
+            <a:avLst/>
+          </a:prstGeom>
+        </p:spPr>
+      </p:pic>
+      <p:pic>
+        <p:nvPicPr>
+          <p:cNvPr id="7" name="Obraz 6"/>
+          <p:cNvPicPr>
+            <a:picLocks noChangeAspect="1"/>
+          </p:cNvPicPr>
+          <p:nvPr/>
+        </p:nvPicPr>
+        <p:blipFill>
+          <a:blip r:embed="rId3"/>
+          <a:stretch>
+            <a:fillRect/>
+          </a:stretch>
+        </p:blipFill>
+        <p:spPr>
+          <a:xfrm>
+            <a:off x="609600" y="4422775"/>
+            <a:ext cx="3181350" cy="542925"/>
+          </a:xfrm>
+          <a:prstGeom prst="rect">
+            <a:avLst/>
+          </a:prstGeom>
+        </p:spPr>
+      </p:pic>
+      <p:pic>
+        <p:nvPicPr>
+          <p:cNvPr id="8" name="Obraz 7"/>
+          <p:cNvPicPr>
+            <a:picLocks noChangeAspect="1"/>
+          </p:cNvPicPr>
+          <p:nvPr/>
+        </p:nvPicPr>
+        <p:blipFill>
+          <a:blip r:embed="rId4"/>
+          <a:stretch>
+            <a:fillRect/>
+          </a:stretch>
+        </p:blipFill>
+        <p:spPr>
+          <a:xfrm>
+            <a:off x="609600" y="5121910"/>
+            <a:ext cx="4000500" cy="590550"/>
+          </a:xfrm>
+          <a:prstGeom prst="rect">
+            <a:avLst/>
+          </a:prstGeom>
+        </p:spPr>
+      </p:pic>
+      <p:pic>
+        <p:nvPicPr>
+          <p:cNvPr id="12" name="Obraz 11"/>
+          <p:cNvPicPr>
+            <a:picLocks noChangeAspect="1"/>
+          </p:cNvPicPr>
+          <p:nvPr/>
+        </p:nvPicPr>
+        <p:blipFill>
+          <a:blip r:embed="rId5"/>
+          <a:stretch>
+            <a:fillRect/>
+          </a:stretch>
+        </p:blipFill>
+        <p:spPr>
+          <a:xfrm>
+            <a:off x="6067425" y="1417955"/>
+            <a:ext cx="5514975" cy="2447925"/>
+          </a:xfrm>
+          <a:prstGeom prst="rect">
+            <a:avLst/>
+          </a:prstGeom>
+        </p:spPr>
+      </p:pic>
+      <p:pic>
+        <p:nvPicPr>
+          <p:cNvPr id="13" name="Obraz 12"/>
+          <p:cNvPicPr>
+            <a:picLocks noChangeAspect="1"/>
+          </p:cNvPicPr>
+          <p:nvPr/>
+        </p:nvPicPr>
+        <p:blipFill>
+          <a:blip r:embed="rId6"/>
+          <a:stretch>
+            <a:fillRect/>
+          </a:stretch>
+        </p:blipFill>
+        <p:spPr>
+          <a:xfrm>
+            <a:off x="6610350" y="4422775"/>
+            <a:ext cx="4972050" cy="1952625"/>
+          </a:xfrm>
+          <a:prstGeom prst="rect">
+            <a:avLst/>
+          </a:prstGeom>
+        </p:spPr>
+      </p:pic>
     </p:spTree>
   </p:cSld>
   <p:clrMapOvr>
@@ -17656,7 +17634,7 @@
           <a:p>
             <a:r>
               <a:rPr lang="pl-PL" altLang="en-US"/>
-              <a:t>T - t</a:t>
+              <a:t>Polimorfizm</a:t>
             </a:r>
             <a:endParaRPr lang="pl-PL" altLang="en-US"/>
           </a:p>

--- a/PY_CLASS/python_class.pptx
+++ b/PY_CLASS/python_class.pptx
@@ -16802,22 +16802,32 @@
           </a:p>
         </p:txBody>
       </p:sp>
-      <p:sp>
-        <p:nvSpPr>
-          <p:cNvPr id="3" name="Symbol zastępczy zawartości 2"/>
-          <p:cNvSpPr/>
+      <p:pic>
+        <p:nvPicPr>
+          <p:cNvPr id="6" name="Symbol zastępczy zawartości 5"/>
+          <p:cNvPicPr>
+            <a:picLocks noChangeAspect="1"/>
+          </p:cNvPicPr>
           <p:nvPr>
             <p:ph idx="1"/>
           </p:nvPr>
-        </p:nvSpPr>
-        <p:spPr/>
-        <p:txBody>
-          <a:bodyPr/>
-          <a:p>
-            <a:endParaRPr lang="pl-PL" altLang="en-US"/>
-          </a:p>
-        </p:txBody>
-      </p:sp>
+        </p:nvPicPr>
+        <p:blipFill>
+          <a:blip r:embed="rId2"/>
+          <a:stretch>
+            <a:fillRect/>
+          </a:stretch>
+        </p:blipFill>
+        <p:spPr>
+          <a:xfrm>
+            <a:off x="4233545" y="267970"/>
+            <a:ext cx="6797675" cy="6321425"/>
+          </a:xfrm>
+          <a:prstGeom prst="rect">
+            <a:avLst/>
+          </a:prstGeom>
+        </p:spPr>
+      </p:pic>
     </p:spTree>
   </p:cSld>
   <p:clrMapOvr>
@@ -17640,22 +17650,56 @@
           </a:p>
         </p:txBody>
       </p:sp>
-      <p:sp>
-        <p:nvSpPr>
-          <p:cNvPr id="3" name="Symbol zastępczy zawartości 2"/>
-          <p:cNvSpPr/>
+      <p:pic>
+        <p:nvPicPr>
+          <p:cNvPr id="4" name="Symbol zastępczy zawartości 3"/>
+          <p:cNvPicPr>
+            <a:picLocks noChangeAspect="1"/>
+          </p:cNvPicPr>
           <p:nvPr>
             <p:ph idx="1"/>
           </p:nvPr>
-        </p:nvSpPr>
-        <p:spPr/>
-        <p:txBody>
-          <a:bodyPr/>
-          <a:p>
-            <a:endParaRPr lang="pl-PL" altLang="en-US"/>
-          </a:p>
-        </p:txBody>
-      </p:sp>
+        </p:nvPicPr>
+        <p:blipFill>
+          <a:blip r:embed="rId2"/>
+          <a:stretch>
+            <a:fillRect/>
+          </a:stretch>
+        </p:blipFill>
+        <p:spPr>
+          <a:xfrm>
+            <a:off x="6076950" y="202565"/>
+            <a:ext cx="5505450" cy="3094990"/>
+          </a:xfrm>
+          <a:prstGeom prst="rect">
+            <a:avLst/>
+          </a:prstGeom>
+        </p:spPr>
+      </p:pic>
+      <p:pic>
+        <p:nvPicPr>
+          <p:cNvPr id="5" name="Obraz 4"/>
+          <p:cNvPicPr>
+            <a:picLocks noChangeAspect="1"/>
+          </p:cNvPicPr>
+          <p:nvPr/>
+        </p:nvPicPr>
+        <p:blipFill>
+          <a:blip r:embed="rId3"/>
+          <a:stretch>
+            <a:fillRect/>
+          </a:stretch>
+        </p:blipFill>
+        <p:spPr>
+          <a:xfrm>
+            <a:off x="609600" y="3515995"/>
+            <a:ext cx="7153275" cy="3019425"/>
+          </a:xfrm>
+          <a:prstGeom prst="rect">
+            <a:avLst/>
+          </a:prstGeom>
+        </p:spPr>
+      </p:pic>
     </p:spTree>
   </p:cSld>
   <p:clrMapOvr>

--- a/PY_CLASS/python_class.pptx
+++ b/PY_CLASS/python_class.pptx
@@ -16918,6 +16918,20 @@
             </a:r>
             <a:endParaRPr lang="en-US" altLang="pl-PL"/>
           </a:p>
+          <a:p>
+            <a:r>
+              <a:rPr lang="en-US" altLang="pl-PL"/>
+              <a:t>https://www.digitalocean.com/community/tutorials/python-static-method</a:t>
+            </a:r>
+            <a:endParaRPr lang="en-US" altLang="pl-PL"/>
+          </a:p>
+          <a:p>
+            <a:r>
+              <a:rPr lang="en-US" altLang="pl-PL"/>
+              <a:t>https://realpython.com/python-getter-setter</a:t>
+            </a:r>
+            <a:endParaRPr lang="en-US" altLang="pl-PL"/>
+          </a:p>
         </p:txBody>
       </p:sp>
     </p:spTree>
